--- a/documentation/mismatrix_endpräsentation_präsentation.pptx
+++ b/documentation/mismatrix_endpräsentation_präsentation.pptx
@@ -5,10 +5,10 @@
     <p:sldMasterId id="2147483669" r:id="rId4"/>
   </p:sldMasterIdLst>
   <p:notesMasterIdLst>
-    <p:notesMasterId r:id="rId18"/>
+    <p:notesMasterId r:id="rId19"/>
   </p:notesMasterIdLst>
   <p:handoutMasterIdLst>
-    <p:handoutMasterId r:id="rId19"/>
+    <p:handoutMasterId r:id="rId20"/>
   </p:handoutMasterIdLst>
   <p:sldIdLst>
     <p:sldId id="256" r:id="rId5"/>
@@ -23,7 +23,8 @@
     <p:sldId id="293" r:id="rId14"/>
     <p:sldId id="294" r:id="rId15"/>
     <p:sldId id="291" r:id="rId16"/>
-    <p:sldId id="280" r:id="rId17"/>
+    <p:sldId id="296" r:id="rId17"/>
+    <p:sldId id="280" r:id="rId18"/>
   </p:sldIdLst>
   <p:sldSz cx="9144000" cy="6858000" type="screen4x3"/>
   <p:notesSz cx="6797675" cy="9872663"/>
@@ -7140,65 +7141,9 @@
               <a:t>werden</a:t>
             </a:r>
             <a:r>
-              <a:rPr lang="en-GB" dirty="0"/>
+              <a:rPr lang="en-GB" dirty="0" smtClean="0"/>
               <a:t>!</a:t>
             </a:r>
-          </a:p>
-          <a:p>
-            <a:pPr lvl="1"/>
-            <a:endParaRPr lang="en-GB" dirty="0"/>
-          </a:p>
-          <a:p>
-            <a:pPr lvl="1"/>
-            <a:endParaRPr lang="en-GB" dirty="0"/>
-          </a:p>
-          <a:p>
-            <a:r>
-              <a:rPr lang="en-GB" dirty="0"/>
-              <a:t>Ein </a:t>
-            </a:r>
-            <a:r>
-              <a:rPr lang="en-GB" dirty="0" err="1"/>
-              <a:t>grösseres</a:t>
-            </a:r>
-            <a:r>
-              <a:rPr lang="en-GB" dirty="0"/>
-              <a:t> </a:t>
-            </a:r>
-            <a:r>
-              <a:rPr lang="en-GB" dirty="0" err="1"/>
-              <a:t>Zeitfenster</a:t>
-            </a:r>
-            <a:r>
-              <a:rPr lang="en-GB" dirty="0"/>
-              <a:t> </a:t>
-            </a:r>
-            <a:r>
-              <a:rPr lang="en-GB" dirty="0" err="1"/>
-              <a:t>müsste</a:t>
-            </a:r>
-            <a:r>
-              <a:rPr lang="en-GB" dirty="0"/>
-              <a:t> </a:t>
-            </a:r>
-            <a:r>
-              <a:rPr lang="en-GB" dirty="0" err="1"/>
-              <a:t>ermöglich</a:t>
-            </a:r>
-            <a:r>
-              <a:rPr lang="en-GB" dirty="0"/>
-              <a:t> </a:t>
-            </a:r>
-            <a:r>
-              <a:rPr lang="en-GB" dirty="0" err="1"/>
-              <a:t>werden</a:t>
-            </a:r>
-            <a:r>
-              <a:rPr lang="en-GB" dirty="0"/>
-              <a:t>!</a:t>
-            </a:r>
-          </a:p>
-          <a:p>
             <a:endParaRPr lang="en-GB" dirty="0"/>
           </a:p>
         </p:txBody>
@@ -7331,6 +7276,101 @@
 </file>
 
 <file path=ppt/slides/slide13.xml><?xml version="1.0" encoding="utf-8"?>
+<p:sld xmlns:a="http://schemas.openxmlformats.org/drawingml/2006/main" xmlns:r="http://schemas.openxmlformats.org/officeDocument/2006/relationships" xmlns:p="http://schemas.openxmlformats.org/presentationml/2006/main">
+  <p:cSld>
+    <p:spTree>
+      <p:nvGrpSpPr>
+        <p:cNvPr id="1" name=""/>
+        <p:cNvGrpSpPr/>
+        <p:nvPr/>
+      </p:nvGrpSpPr>
+      <p:grpSpPr>
+        <a:xfrm>
+          <a:off x="0" y="0"/>
+          <a:ext cx="0" cy="0"/>
+          <a:chOff x="0" y="0"/>
+          <a:chExt cx="0" cy="0"/>
+        </a:xfrm>
+      </p:grpSpPr>
+      <p:sp>
+        <p:nvSpPr>
+          <p:cNvPr id="2" name="Inhaltsplatzhalter 1"/>
+          <p:cNvSpPr>
+            <a:spLocks noGrp="1"/>
+          </p:cNvSpPr>
+          <p:nvPr>
+            <p:ph sz="half" idx="1"/>
+          </p:nvPr>
+        </p:nvSpPr>
+        <p:spPr/>
+        <p:txBody>
+          <a:bodyPr/>
+          <a:lstStyle/>
+          <a:p>
+            <a:r>
+              <a:rPr lang="de-CH" dirty="0" smtClean="0"/>
+              <a:t>Ein grösseres Zeitfenster müsste ermöglich werden!</a:t>
+            </a:r>
+          </a:p>
+          <a:p>
+            <a:r>
+              <a:rPr lang="de-CH" dirty="0" smtClean="0"/>
+              <a:t>Materie komplexer als angenommen</a:t>
+            </a:r>
+          </a:p>
+          <a:p>
+            <a:endParaRPr lang="de-CH" dirty="0" smtClean="0"/>
+          </a:p>
+          <a:p>
+            <a:endParaRPr lang="de-CH" dirty="0"/>
+          </a:p>
+        </p:txBody>
+      </p:sp>
+      <p:sp>
+        <p:nvSpPr>
+          <p:cNvPr id="3" name="Titel 2"/>
+          <p:cNvSpPr>
+            <a:spLocks noGrp="1"/>
+          </p:cNvSpPr>
+          <p:nvPr>
+            <p:ph type="ctrTitle"/>
+          </p:nvPr>
+        </p:nvSpPr>
+        <p:spPr/>
+        <p:txBody>
+          <a:bodyPr/>
+          <a:lstStyle/>
+          <a:p>
+            <a:r>
+              <a:rPr lang="de-CH" dirty="0" err="1" smtClean="0"/>
+              <a:t>Lessons</a:t>
+            </a:r>
+            <a:r>
+              <a:rPr lang="de-CH" dirty="0" smtClean="0"/>
+              <a:t> </a:t>
+            </a:r>
+            <a:r>
+              <a:rPr lang="de-CH" dirty="0" err="1" smtClean="0"/>
+              <a:t>learned</a:t>
+            </a:r>
+            <a:endParaRPr lang="de-CH" dirty="0"/>
+          </a:p>
+        </p:txBody>
+      </p:sp>
+    </p:spTree>
+    <p:extLst>
+      <p:ext uri="{BB962C8B-B14F-4D97-AF65-F5344CB8AC3E}">
+        <p14:creationId xmlns:p14="http://schemas.microsoft.com/office/powerpoint/2010/main" val="2193605770"/>
+      </p:ext>
+    </p:extLst>
+  </p:cSld>
+  <p:clrMapOvr>
+    <a:masterClrMapping/>
+  </p:clrMapOvr>
+</p:sld>
+</file>
+
+<file path=ppt/slides/slide14.xml><?xml version="1.0" encoding="utf-8"?>
 <p:sld xmlns:a="http://schemas.openxmlformats.org/drawingml/2006/main" xmlns:r="http://schemas.openxmlformats.org/officeDocument/2006/relationships" xmlns:p="http://schemas.openxmlformats.org/presentationml/2006/main">
   <p:cSld>
     <p:spTree>
@@ -7711,7 +7751,6 @@
               <a:rPr lang="de-CH" dirty="0" smtClean="0"/>
               <a:t>Vereinfachtes Webinterface</a:t>
             </a:r>
-            <a:endParaRPr lang="de-CH" dirty="0" smtClean="0"/>
           </a:p>
           <a:p>
             <a:r>
@@ -10116,25 +10155,6 @@
 </file>
 
 <file path=customXml/item1.xml><?xml version="1.0" encoding="utf-8"?>
-<p:properties xmlns:p="http://schemas.microsoft.com/office/2006/metadata/properties" xmlns:xsi="http://www.w3.org/2001/XMLSchema-instance">
-  <documentManagement>
-    <Betriebsystem xmlns="238ac175-5152-443e-bf42-417a27926292">Windows/Mac</Betriebsystem>
-    <Office_x002d_Version xmlns="238ac175-5152-443e-bf42-417a27926292">Office 2010/2011</Office_x002d_Version>
-    <Kategorie xmlns="238ac175-5152-443e-bf42-417a27926292">Powerpoint</Kategorie>
-  </documentManagement>
-</p:properties>
-</file>
-
-<file path=customXml/item2.xml><?xml version="1.0" encoding="utf-8"?>
-<?mso-contentType ?>
-<FormTemplates xmlns="http://schemas.microsoft.com/sharepoint/v3/contenttype/forms">
-  <Display>DocumentLibraryForm</Display>
-  <Edit>DocumentLibraryForm</Edit>
-  <New>DocumentLibraryForm</New>
-</FormTemplates>
-</file>
-
-<file path=customXml/item3.xml><?xml version="1.0" encoding="utf-8"?>
 <ct:contentTypeSchema xmlns:ct="http://schemas.microsoft.com/office/2006/metadata/contentType" xmlns:ma="http://schemas.microsoft.com/office/2006/metadata/properties/metaAttributes" ct:_="" ma:_="" ma:contentTypeName="Dokument" ma:contentTypeID="0x0101003A4279409C3118409D418E682AEFAFB0" ma:contentTypeVersion="3" ma:contentTypeDescription="Ein neues Dokument erstellen." ma:contentTypeScope="" ma:versionID="2b39eecd042fe67817287380b00d4728">
   <xsd:schema xmlns:xsd="http://www.w3.org/2001/XMLSchema" xmlns:p="http://schemas.microsoft.com/office/2006/metadata/properties" xmlns:ns2="238ac175-5152-443e-bf42-417a27926292" targetNamespace="http://schemas.microsoft.com/office/2006/metadata/properties" ma:root="true" ma:fieldsID="3e4ac4b9de63a8d8211a46de917ff848" ns2:_="">
     <xsd:import namespace="238ac175-5152-443e-bf42-417a27926292"/>
@@ -10218,30 +10238,26 @@
 </ct:contentTypeSchema>
 </file>
 
-<file path=customXml/itemProps1.xml><?xml version="1.0" encoding="utf-8"?>
-<ds:datastoreItem xmlns:ds="http://schemas.openxmlformats.org/officeDocument/2006/customXml" ds:itemID="{F1B07C9B-62EC-4346-AB37-FD9874CBA0EB}">
-  <ds:schemaRefs>
-    <ds:schemaRef ds:uri="http://schemas.microsoft.com/office/2006/documentManagement/types"/>
-    <ds:schemaRef ds:uri="http://schemas.microsoft.com/office/2006/metadata/properties"/>
-    <ds:schemaRef ds:uri="http://purl.org/dc/terms/"/>
-    <ds:schemaRef ds:uri="238ac175-5152-443e-bf42-417a27926292"/>
-    <ds:schemaRef ds:uri="http://purl.org/dc/dcmitype/"/>
-    <ds:schemaRef ds:uri="http://schemas.openxmlformats.org/package/2006/metadata/core-properties"/>
-    <ds:schemaRef ds:uri="http://www.w3.org/XML/1998/namespace"/>
-    <ds:schemaRef ds:uri="http://purl.org/dc/elements/1.1/"/>
-  </ds:schemaRefs>
-</ds:datastoreItem>
+<file path=customXml/item2.xml><?xml version="1.0" encoding="utf-8"?>
+<?mso-contentType ?>
+<FormTemplates xmlns="http://schemas.microsoft.com/sharepoint/v3/contenttype/forms">
+  <Display>DocumentLibraryForm</Display>
+  <Edit>DocumentLibraryForm</Edit>
+  <New>DocumentLibraryForm</New>
+</FormTemplates>
 </file>
 
-<file path=customXml/itemProps2.xml><?xml version="1.0" encoding="utf-8"?>
-<ds:datastoreItem xmlns:ds="http://schemas.openxmlformats.org/officeDocument/2006/customXml" ds:itemID="{FCD14AB6-6E58-442F-B70D-2B317664A115}">
-  <ds:schemaRefs>
-    <ds:schemaRef ds:uri="http://schemas.microsoft.com/sharepoint/v3/contenttype/forms"/>
-  </ds:schemaRefs>
-</ds:datastoreItem>
+<file path=customXml/item3.xml><?xml version="1.0" encoding="utf-8"?>
+<p:properties xmlns:p="http://schemas.microsoft.com/office/2006/metadata/properties" xmlns:xsi="http://www.w3.org/2001/XMLSchema-instance">
+  <documentManagement>
+    <Betriebsystem xmlns="238ac175-5152-443e-bf42-417a27926292">Windows/Mac</Betriebsystem>
+    <Office_x002d_Version xmlns="238ac175-5152-443e-bf42-417a27926292">Office 2010/2011</Office_x002d_Version>
+    <Kategorie xmlns="238ac175-5152-443e-bf42-417a27926292">Powerpoint</Kategorie>
+  </documentManagement>
+</p:properties>
 </file>
 
-<file path=customXml/itemProps3.xml><?xml version="1.0" encoding="utf-8"?>
+<file path=customXml/itemProps1.xml><?xml version="1.0" encoding="utf-8"?>
 <ds:datastoreItem xmlns:ds="http://schemas.openxmlformats.org/officeDocument/2006/customXml" ds:itemID="{BD8FD62B-E50E-4101-B7F8-577C2BC63D28}">
   <ds:schemaRefs>
     <ds:schemaRef ds:uri="http://schemas.microsoft.com/office/2006/metadata/contentType"/>
@@ -10256,4 +10272,27 @@
     <ds:schemaRef ds:uri="http://schemas.microsoft.com/office/internal/2005/internalDocumentation"/>
   </ds:schemaRefs>
 </ds:datastoreItem>
+</file>
+
+<file path=customXml/itemProps2.xml><?xml version="1.0" encoding="utf-8"?>
+<ds:datastoreItem xmlns:ds="http://schemas.openxmlformats.org/officeDocument/2006/customXml" ds:itemID="{FCD14AB6-6E58-442F-B70D-2B317664A115}">
+  <ds:schemaRefs>
+    <ds:schemaRef ds:uri="http://schemas.microsoft.com/sharepoint/v3/contenttype/forms"/>
+  </ds:schemaRefs>
+</ds:datastoreItem>
+</file>
+
+<file path=customXml/itemProps3.xml><?xml version="1.0" encoding="utf-8"?>
+<ds:datastoreItem xmlns:ds="http://schemas.openxmlformats.org/officeDocument/2006/customXml" ds:itemID="{F1B07C9B-62EC-4346-AB37-FD9874CBA0EB}">
+  <ds:schemaRefs>
+    <ds:schemaRef ds:uri="http://schemas.microsoft.com/office/2006/documentManagement/types"/>
+    <ds:schemaRef ds:uri="http://schemas.microsoft.com/office/2006/metadata/properties"/>
+    <ds:schemaRef ds:uri="http://purl.org/dc/terms/"/>
+    <ds:schemaRef ds:uri="238ac175-5152-443e-bf42-417a27926292"/>
+    <ds:schemaRef ds:uri="http://purl.org/dc/dcmitype/"/>
+    <ds:schemaRef ds:uri="http://schemas.openxmlformats.org/package/2006/metadata/core-properties"/>
+    <ds:schemaRef ds:uri="http://www.w3.org/XML/1998/namespace"/>
+    <ds:schemaRef ds:uri="http://purl.org/dc/elements/1.1/"/>
+  </ds:schemaRefs>
+</ds:datastoreItem>
 </file>